--- a/Wazuh-Attack-Defense-Tree-Converter/Code/Wazuh-ADT-Converter/Input-Files/test-tree/tree.pptx
+++ b/Wazuh-Attack-Defense-Tree-Converter/Code/Wazuh-ADT-Converter/Input-Files/test-tree/tree.pptx
@@ -259,7 +259,7 @@
           <a:p>
             <a:fld id="{46FB4D6B-BD55-42BC-B59A-94D153871167}" type="datetimeFigureOut">
               <a:rPr lang="it-IT" smtClean="0"/>
-              <a:t>27/10/2024</a:t>
+              <a:t>31/10/2024</a:t>
             </a:fld>
             <a:endParaRPr lang="it-IT"/>
           </a:p>
@@ -313,7 +313,7 @@
           <a:p>
             <a:fld id="{44D0E506-2070-46BD-A6A0-562DF28D0AF5}" type="slidenum">
               <a:rPr lang="it-IT" smtClean="0"/>
-              <a:t>‹N›</a:t>
+              <a:t>‹#›</a:t>
             </a:fld>
             <a:endParaRPr lang="it-IT"/>
           </a:p>
@@ -457,7 +457,7 @@
           <a:p>
             <a:fld id="{46FB4D6B-BD55-42BC-B59A-94D153871167}" type="datetimeFigureOut">
               <a:rPr lang="it-IT" smtClean="0"/>
-              <a:t>27/10/2024</a:t>
+              <a:t>31/10/2024</a:t>
             </a:fld>
             <a:endParaRPr lang="it-IT"/>
           </a:p>
@@ -511,7 +511,7 @@
           <a:p>
             <a:fld id="{44D0E506-2070-46BD-A6A0-562DF28D0AF5}" type="slidenum">
               <a:rPr lang="it-IT" smtClean="0"/>
-              <a:t>‹N›</a:t>
+              <a:t>‹#›</a:t>
             </a:fld>
             <a:endParaRPr lang="it-IT"/>
           </a:p>
@@ -665,7 +665,7 @@
           <a:p>
             <a:fld id="{46FB4D6B-BD55-42BC-B59A-94D153871167}" type="datetimeFigureOut">
               <a:rPr lang="it-IT" smtClean="0"/>
-              <a:t>27/10/2024</a:t>
+              <a:t>31/10/2024</a:t>
             </a:fld>
             <a:endParaRPr lang="it-IT"/>
           </a:p>
@@ -719,7 +719,7 @@
           <a:p>
             <a:fld id="{44D0E506-2070-46BD-A6A0-562DF28D0AF5}" type="slidenum">
               <a:rPr lang="it-IT" smtClean="0"/>
-              <a:t>‹N›</a:t>
+              <a:t>‹#›</a:t>
             </a:fld>
             <a:endParaRPr lang="it-IT"/>
           </a:p>
@@ -863,7 +863,7 @@
           <a:p>
             <a:fld id="{46FB4D6B-BD55-42BC-B59A-94D153871167}" type="datetimeFigureOut">
               <a:rPr lang="it-IT" smtClean="0"/>
-              <a:t>27/10/2024</a:t>
+              <a:t>31/10/2024</a:t>
             </a:fld>
             <a:endParaRPr lang="it-IT"/>
           </a:p>
@@ -917,7 +917,7 @@
           <a:p>
             <a:fld id="{44D0E506-2070-46BD-A6A0-562DF28D0AF5}" type="slidenum">
               <a:rPr lang="it-IT" smtClean="0"/>
-              <a:t>‹N›</a:t>
+              <a:t>‹#›</a:t>
             </a:fld>
             <a:endParaRPr lang="it-IT"/>
           </a:p>
@@ -1138,7 +1138,7 @@
           <a:p>
             <a:fld id="{46FB4D6B-BD55-42BC-B59A-94D153871167}" type="datetimeFigureOut">
               <a:rPr lang="it-IT" smtClean="0"/>
-              <a:t>27/10/2024</a:t>
+              <a:t>31/10/2024</a:t>
             </a:fld>
             <a:endParaRPr lang="it-IT"/>
           </a:p>
@@ -1192,7 +1192,7 @@
           <a:p>
             <a:fld id="{44D0E506-2070-46BD-A6A0-562DF28D0AF5}" type="slidenum">
               <a:rPr lang="it-IT" smtClean="0"/>
-              <a:t>‹N›</a:t>
+              <a:t>‹#›</a:t>
             </a:fld>
             <a:endParaRPr lang="it-IT"/>
           </a:p>
@@ -1403,7 +1403,7 @@
           <a:p>
             <a:fld id="{46FB4D6B-BD55-42BC-B59A-94D153871167}" type="datetimeFigureOut">
               <a:rPr lang="it-IT" smtClean="0"/>
-              <a:t>27/10/2024</a:t>
+              <a:t>31/10/2024</a:t>
             </a:fld>
             <a:endParaRPr lang="it-IT"/>
           </a:p>
@@ -1457,7 +1457,7 @@
           <a:p>
             <a:fld id="{44D0E506-2070-46BD-A6A0-562DF28D0AF5}" type="slidenum">
               <a:rPr lang="it-IT" smtClean="0"/>
-              <a:t>‹N›</a:t>
+              <a:t>‹#›</a:t>
             </a:fld>
             <a:endParaRPr lang="it-IT"/>
           </a:p>
@@ -1815,7 +1815,7 @@
           <a:p>
             <a:fld id="{46FB4D6B-BD55-42BC-B59A-94D153871167}" type="datetimeFigureOut">
               <a:rPr lang="it-IT" smtClean="0"/>
-              <a:t>27/10/2024</a:t>
+              <a:t>31/10/2024</a:t>
             </a:fld>
             <a:endParaRPr lang="it-IT"/>
           </a:p>
@@ -1869,7 +1869,7 @@
           <a:p>
             <a:fld id="{44D0E506-2070-46BD-A6A0-562DF28D0AF5}" type="slidenum">
               <a:rPr lang="it-IT" smtClean="0"/>
-              <a:t>‹N›</a:t>
+              <a:t>‹#›</a:t>
             </a:fld>
             <a:endParaRPr lang="it-IT"/>
           </a:p>
@@ -1956,7 +1956,7 @@
           <a:p>
             <a:fld id="{46FB4D6B-BD55-42BC-B59A-94D153871167}" type="datetimeFigureOut">
               <a:rPr lang="it-IT" smtClean="0"/>
-              <a:t>27/10/2024</a:t>
+              <a:t>31/10/2024</a:t>
             </a:fld>
             <a:endParaRPr lang="it-IT"/>
           </a:p>
@@ -2010,7 +2010,7 @@
           <a:p>
             <a:fld id="{44D0E506-2070-46BD-A6A0-562DF28D0AF5}" type="slidenum">
               <a:rPr lang="it-IT" smtClean="0"/>
-              <a:t>‹N›</a:t>
+              <a:t>‹#›</a:t>
             </a:fld>
             <a:endParaRPr lang="it-IT"/>
           </a:p>
@@ -2069,7 +2069,7 @@
           <a:p>
             <a:fld id="{46FB4D6B-BD55-42BC-B59A-94D153871167}" type="datetimeFigureOut">
               <a:rPr lang="it-IT" smtClean="0"/>
-              <a:t>27/10/2024</a:t>
+              <a:t>31/10/2024</a:t>
             </a:fld>
             <a:endParaRPr lang="it-IT"/>
           </a:p>
@@ -2123,7 +2123,7 @@
           <a:p>
             <a:fld id="{44D0E506-2070-46BD-A6A0-562DF28D0AF5}" type="slidenum">
               <a:rPr lang="it-IT" smtClean="0"/>
-              <a:t>‹N›</a:t>
+              <a:t>‹#›</a:t>
             </a:fld>
             <a:endParaRPr lang="it-IT"/>
           </a:p>
@@ -2380,7 +2380,7 @@
           <a:p>
             <a:fld id="{46FB4D6B-BD55-42BC-B59A-94D153871167}" type="datetimeFigureOut">
               <a:rPr lang="it-IT" smtClean="0"/>
-              <a:t>27/10/2024</a:t>
+              <a:t>31/10/2024</a:t>
             </a:fld>
             <a:endParaRPr lang="it-IT"/>
           </a:p>
@@ -2434,7 +2434,7 @@
           <a:p>
             <a:fld id="{44D0E506-2070-46BD-A6A0-562DF28D0AF5}" type="slidenum">
               <a:rPr lang="it-IT" smtClean="0"/>
-              <a:t>‹N›</a:t>
+              <a:t>‹#›</a:t>
             </a:fld>
             <a:endParaRPr lang="it-IT"/>
           </a:p>
@@ -2668,7 +2668,7 @@
           <a:p>
             <a:fld id="{46FB4D6B-BD55-42BC-B59A-94D153871167}" type="datetimeFigureOut">
               <a:rPr lang="it-IT" smtClean="0"/>
-              <a:t>27/10/2024</a:t>
+              <a:t>31/10/2024</a:t>
             </a:fld>
             <a:endParaRPr lang="it-IT"/>
           </a:p>
@@ -2722,7 +2722,7 @@
           <a:p>
             <a:fld id="{44D0E506-2070-46BD-A6A0-562DF28D0AF5}" type="slidenum">
               <a:rPr lang="it-IT" smtClean="0"/>
-              <a:t>‹N›</a:t>
+              <a:t>‹#›</a:t>
             </a:fld>
             <a:endParaRPr lang="it-IT"/>
           </a:p>
@@ -2909,7 +2909,7 @@
           <a:p>
             <a:fld id="{46FB4D6B-BD55-42BC-B59A-94D153871167}" type="datetimeFigureOut">
               <a:rPr lang="it-IT" smtClean="0"/>
-              <a:t>27/10/2024</a:t>
+              <a:t>31/10/2024</a:t>
             </a:fld>
             <a:endParaRPr lang="it-IT"/>
           </a:p>
@@ -2999,7 +2999,7 @@
           <a:p>
             <a:fld id="{44D0E506-2070-46BD-A6A0-562DF28D0AF5}" type="slidenum">
               <a:rPr lang="it-IT" smtClean="0"/>
-              <a:t>‹N›</a:t>
+              <a:t>‹#›</a:t>
             </a:fld>
             <a:endParaRPr lang="it-IT"/>
           </a:p>
@@ -4986,7 +4986,7 @@
         </p:nvSpPr>
         <p:spPr>
           <a:xfrm>
-            <a:off x="4041539" y="4262859"/>
+            <a:off x="3947127" y="4008088"/>
             <a:ext cx="1854142" cy="461665"/>
           </a:xfrm>
           <a:prstGeom prst="rect">
@@ -5039,7 +5039,7 @@
         </p:nvSpPr>
         <p:spPr>
           <a:xfrm>
-            <a:off x="-53026" y="3338484"/>
+            <a:off x="-44781" y="3429000"/>
             <a:ext cx="1854142" cy="461665"/>
           </a:xfrm>
           <a:prstGeom prst="rect">

--- a/Wazuh-Attack-Defense-Tree-Converter/Code/Wazuh-ADT-Converter/Input-Files/test-tree/tree.pptx
+++ b/Wazuh-Attack-Defense-Tree-Converter/Code/Wazuh-ADT-Converter/Input-Files/test-tree/tree.pptx
@@ -3983,14 +3983,13 @@
           <p:cNvCxnSpPr>
             <a:cxnSpLocks/>
             <a:stCxn id="27" idx="0"/>
-            <a:endCxn id="5" idx="4"/>
           </p:cNvCxnSpPr>
           <p:nvPr/>
         </p:nvCxnSpPr>
         <p:spPr>
           <a:xfrm flipV="1">
-            <a:off x="1042447" y="2619081"/>
-            <a:ext cx="1095474" cy="1217628"/>
+            <a:off x="1042447" y="3379573"/>
+            <a:ext cx="1021131" cy="457136"/>
           </a:xfrm>
           <a:prstGeom prst="line">
             <a:avLst/>
@@ -4023,14 +4022,13 @@
           <p:cNvCxnSpPr>
             <a:cxnSpLocks/>
             <a:stCxn id="28" idx="0"/>
-            <a:endCxn id="5" idx="4"/>
           </p:cNvCxnSpPr>
           <p:nvPr/>
         </p:nvCxnSpPr>
         <p:spPr>
           <a:xfrm flipH="1" flipV="1">
-            <a:off x="2137921" y="2619081"/>
-            <a:ext cx="1095473" cy="1217627"/>
+            <a:off x="2063578" y="3379573"/>
+            <a:ext cx="1169816" cy="457135"/>
           </a:xfrm>
           <a:prstGeom prst="line">
             <a:avLst/>
@@ -5075,6 +5073,205 @@
               <a:rPr lang="it-IT" sz="1200" dirty="0"/>
               <a:t> Child1_1 log»</a:t>
             </a:r>
+          </a:p>
+        </p:txBody>
+      </p:sp>
+      <p:sp>
+        <p:nvSpPr>
+          <p:cNvPr id="15" name="Ovale 4">
+            <a:extLst>
+              <a:ext uri="{FF2B5EF4-FFF2-40B4-BE49-F238E27FC236}">
+                <a16:creationId xmlns:a16="http://schemas.microsoft.com/office/drawing/2014/main" id="{B7647F25-41EE-927C-89A5-9982E6800077}"/>
+              </a:ext>
+            </a:extLst>
+          </p:cNvPr>
+          <p:cNvSpPr/>
+          <p:nvPr/>
+        </p:nvSpPr>
+        <p:spPr>
+          <a:xfrm>
+            <a:off x="4877263" y="4872001"/>
+            <a:ext cx="3901522" cy="1985999"/>
+          </a:xfrm>
+          <a:prstGeom prst="ellipse">
+            <a:avLst/>
+          </a:prstGeom>
+          <a:noFill/>
+          <a:ln>
+            <a:solidFill>
+              <a:srgbClr val="FF0000"/>
+            </a:solidFill>
+          </a:ln>
+        </p:spPr>
+        <p:style>
+          <a:lnRef idx="2">
+            <a:schemeClr val="accent1">
+              <a:shade val="15000"/>
+            </a:schemeClr>
+          </a:lnRef>
+          <a:fillRef idx="1">
+            <a:schemeClr val="accent1"/>
+          </a:fillRef>
+          <a:effectRef idx="0">
+            <a:schemeClr val="accent1"/>
+          </a:effectRef>
+          <a:fontRef idx="minor">
+            <a:schemeClr val="lt1"/>
+          </a:fontRef>
+        </p:style>
+        <p:txBody>
+          <a:bodyPr rtlCol="0" anchor="ctr"/>
+          <a:lstStyle/>
+          <a:p>
+            <a:pPr algn="ctr"/>
+            <a:r>
+              <a:rPr lang="it-IT" sz="1400" dirty="0">
+                <a:solidFill>
+                  <a:schemeClr val="tx1"/>
+                </a:solidFill>
+              </a:rPr>
+              <a:t>State: Child1_1 or Child1_2 </a:t>
+            </a:r>
+            <a:r>
+              <a:rPr lang="it-IT" sz="1400" dirty="0" err="1">
+                <a:solidFill>
+                  <a:schemeClr val="tx1"/>
+                </a:solidFill>
+              </a:rPr>
+              <a:t>have</a:t>
+            </a:r>
+            <a:r>
+              <a:rPr lang="it-IT" sz="1400" dirty="0">
+                <a:solidFill>
+                  <a:schemeClr val="tx1"/>
+                </a:solidFill>
+              </a:rPr>
+              <a:t> </a:t>
+            </a:r>
+            <a:r>
+              <a:rPr lang="it-IT" sz="1400" dirty="0" err="1">
+                <a:solidFill>
+                  <a:schemeClr val="tx1"/>
+                </a:solidFill>
+              </a:rPr>
+              <a:t>been</a:t>
+            </a:r>
+            <a:r>
+              <a:rPr lang="it-IT" sz="1400" dirty="0">
+                <a:solidFill>
+                  <a:schemeClr val="tx1"/>
+                </a:solidFill>
+              </a:rPr>
+              <a:t> </a:t>
+            </a:r>
+            <a:r>
+              <a:rPr lang="it-IT" sz="1400" dirty="0" err="1">
+                <a:solidFill>
+                  <a:schemeClr val="tx1"/>
+                </a:solidFill>
+              </a:rPr>
+              <a:t>activated</a:t>
+            </a:r>
+            <a:r>
+              <a:rPr lang="it-IT" sz="1400" dirty="0">
+                <a:solidFill>
+                  <a:schemeClr val="tx1"/>
+                </a:solidFill>
+              </a:rPr>
+              <a:t>:</a:t>
+            </a:r>
+            <a:br>
+              <a:rPr lang="it-IT" sz="1400" dirty="0">
+                <a:solidFill>
+                  <a:schemeClr val="tx1"/>
+                </a:solidFill>
+              </a:rPr>
+            </a:br>
+            <a:r>
+              <a:rPr lang="it-IT" sz="1400" dirty="0" err="1">
+                <a:solidFill>
+                  <a:schemeClr val="tx1"/>
+                </a:solidFill>
+              </a:rPr>
+              <a:t>You</a:t>
+            </a:r>
+            <a:r>
+              <a:rPr lang="it-IT" sz="1400" dirty="0">
+                <a:solidFill>
+                  <a:schemeClr val="tx1"/>
+                </a:solidFill>
+              </a:rPr>
+              <a:t> are </a:t>
+            </a:r>
+            <a:r>
+              <a:rPr lang="it-IT" sz="1400" dirty="0" err="1">
+                <a:solidFill>
+                  <a:schemeClr val="tx1"/>
+                </a:solidFill>
+              </a:rPr>
+              <a:t>at</a:t>
+            </a:r>
+            <a:r>
+              <a:rPr lang="it-IT" sz="1400" dirty="0">
+                <a:solidFill>
+                  <a:schemeClr val="tx1"/>
+                </a:solidFill>
+              </a:rPr>
+              <a:t> risk of an </a:t>
+            </a:r>
+            <a:r>
+              <a:rPr lang="it-IT" sz="1400" dirty="0" err="1">
+                <a:solidFill>
+                  <a:schemeClr val="tx1"/>
+                </a:solidFill>
+              </a:rPr>
+              <a:t>attack</a:t>
+            </a:r>
+            <a:r>
+              <a:rPr lang="it-IT" sz="1400" dirty="0">
+                <a:solidFill>
+                  <a:schemeClr val="tx1"/>
+                </a:solidFill>
+              </a:rPr>
+              <a:t> of </a:t>
+            </a:r>
+            <a:r>
+              <a:rPr lang="it-IT" sz="1400" dirty="0" err="1">
+                <a:solidFill>
+                  <a:schemeClr val="tx1"/>
+                </a:solidFill>
+              </a:rPr>
+              <a:t>type</a:t>
+            </a:r>
+            <a:r>
+              <a:rPr lang="it-IT" sz="1400" dirty="0">
+                <a:solidFill>
+                  <a:schemeClr val="tx1"/>
+                </a:solidFill>
+              </a:rPr>
+              <a:t> Child1 </a:t>
+            </a:r>
+            <a:r>
+              <a:rPr lang="it-IT" sz="1400" dirty="0" err="1">
+                <a:solidFill>
+                  <a:schemeClr val="tx1"/>
+                </a:solidFill>
+              </a:rPr>
+              <a:t>Conj</a:t>
+            </a:r>
+            <a:endParaRPr lang="it-IT" sz="1400">
+              <a:solidFill>
+                <a:schemeClr val="tx1"/>
+              </a:solidFill>
+            </a:endParaRPr>
+          </a:p>
+          <a:p>
+            <a:pPr algn="ctr"/>
+            <a:endParaRPr lang="it-IT" sz="1400" dirty="0">
+              <a:solidFill>
+                <a:schemeClr val="tx1"/>
+              </a:solidFill>
+            </a:endParaRPr>
           </a:p>
         </p:txBody>
       </p:sp>

--- a/Wazuh-Attack-Defense-Tree-Converter/Code/Wazuh-ADT-Converter/Input-Files/test-tree/tree.pptx
+++ b/Wazuh-Attack-Defense-Tree-Converter/Code/Wazuh-ADT-Converter/Input-Files/test-tree/tree.pptx
@@ -259,7 +259,7 @@
           <a:p>
             <a:fld id="{46FB4D6B-BD55-42BC-B59A-94D153871167}" type="datetimeFigureOut">
               <a:rPr lang="it-IT" smtClean="0"/>
-              <a:t>31/10/2024</a:t>
+              <a:t>02/11/2024</a:t>
             </a:fld>
             <a:endParaRPr lang="it-IT"/>
           </a:p>
@@ -457,7 +457,7 @@
           <a:p>
             <a:fld id="{46FB4D6B-BD55-42BC-B59A-94D153871167}" type="datetimeFigureOut">
               <a:rPr lang="it-IT" smtClean="0"/>
-              <a:t>31/10/2024</a:t>
+              <a:t>02/11/2024</a:t>
             </a:fld>
             <a:endParaRPr lang="it-IT"/>
           </a:p>
@@ -665,7 +665,7 @@
           <a:p>
             <a:fld id="{46FB4D6B-BD55-42BC-B59A-94D153871167}" type="datetimeFigureOut">
               <a:rPr lang="it-IT" smtClean="0"/>
-              <a:t>31/10/2024</a:t>
+              <a:t>02/11/2024</a:t>
             </a:fld>
             <a:endParaRPr lang="it-IT"/>
           </a:p>
@@ -863,7 +863,7 @@
           <a:p>
             <a:fld id="{46FB4D6B-BD55-42BC-B59A-94D153871167}" type="datetimeFigureOut">
               <a:rPr lang="it-IT" smtClean="0"/>
-              <a:t>31/10/2024</a:t>
+              <a:t>02/11/2024</a:t>
             </a:fld>
             <a:endParaRPr lang="it-IT"/>
           </a:p>
@@ -1138,7 +1138,7 @@
           <a:p>
             <a:fld id="{46FB4D6B-BD55-42BC-B59A-94D153871167}" type="datetimeFigureOut">
               <a:rPr lang="it-IT" smtClean="0"/>
-              <a:t>31/10/2024</a:t>
+              <a:t>02/11/2024</a:t>
             </a:fld>
             <a:endParaRPr lang="it-IT"/>
           </a:p>
@@ -1403,7 +1403,7 @@
           <a:p>
             <a:fld id="{46FB4D6B-BD55-42BC-B59A-94D153871167}" type="datetimeFigureOut">
               <a:rPr lang="it-IT" smtClean="0"/>
-              <a:t>31/10/2024</a:t>
+              <a:t>02/11/2024</a:t>
             </a:fld>
             <a:endParaRPr lang="it-IT"/>
           </a:p>
@@ -1815,7 +1815,7 @@
           <a:p>
             <a:fld id="{46FB4D6B-BD55-42BC-B59A-94D153871167}" type="datetimeFigureOut">
               <a:rPr lang="it-IT" smtClean="0"/>
-              <a:t>31/10/2024</a:t>
+              <a:t>02/11/2024</a:t>
             </a:fld>
             <a:endParaRPr lang="it-IT"/>
           </a:p>
@@ -1956,7 +1956,7 @@
           <a:p>
             <a:fld id="{46FB4D6B-BD55-42BC-B59A-94D153871167}" type="datetimeFigureOut">
               <a:rPr lang="it-IT" smtClean="0"/>
-              <a:t>31/10/2024</a:t>
+              <a:t>02/11/2024</a:t>
             </a:fld>
             <a:endParaRPr lang="it-IT"/>
           </a:p>
@@ -2069,7 +2069,7 @@
           <a:p>
             <a:fld id="{46FB4D6B-BD55-42BC-B59A-94D153871167}" type="datetimeFigureOut">
               <a:rPr lang="it-IT" smtClean="0"/>
-              <a:t>31/10/2024</a:t>
+              <a:t>02/11/2024</a:t>
             </a:fld>
             <a:endParaRPr lang="it-IT"/>
           </a:p>
@@ -2380,7 +2380,7 @@
           <a:p>
             <a:fld id="{46FB4D6B-BD55-42BC-B59A-94D153871167}" type="datetimeFigureOut">
               <a:rPr lang="it-IT" smtClean="0"/>
-              <a:t>31/10/2024</a:t>
+              <a:t>02/11/2024</a:t>
             </a:fld>
             <a:endParaRPr lang="it-IT"/>
           </a:p>
@@ -2668,7 +2668,7 @@
           <a:p>
             <a:fld id="{46FB4D6B-BD55-42BC-B59A-94D153871167}" type="datetimeFigureOut">
               <a:rPr lang="it-IT" smtClean="0"/>
-              <a:t>31/10/2024</a:t>
+              <a:t>02/11/2024</a:t>
             </a:fld>
             <a:endParaRPr lang="it-IT"/>
           </a:p>
@@ -2909,7 +2909,7 @@
           <a:p>
             <a:fld id="{46FB4D6B-BD55-42BC-B59A-94D153871167}" type="datetimeFigureOut">
               <a:rPr lang="it-IT" smtClean="0"/>
-              <a:t>31/10/2024</a:t>
+              <a:t>02/11/2024</a:t>
             </a:fld>
             <a:endParaRPr lang="it-IT"/>
           </a:p>
@@ -3602,7 +3602,7 @@
         </p:nvSpPr>
         <p:spPr>
           <a:xfrm>
-            <a:off x="8902048" y="2091178"/>
+            <a:off x="9587656" y="2069701"/>
             <a:ext cx="2190947" cy="527901"/>
           </a:xfrm>
           <a:prstGeom prst="ellipse">
@@ -3785,7 +3785,7 @@
         <p:spPr>
           <a:xfrm flipH="1" flipV="1">
             <a:off x="6096000" y="873552"/>
-            <a:ext cx="3901522" cy="1217626"/>
+            <a:ext cx="4587130" cy="1196149"/>
           </a:xfrm>
           <a:prstGeom prst="line">
             <a:avLst/>
@@ -3982,14 +3982,14 @@
           </p:cNvPr>
           <p:cNvCxnSpPr>
             <a:cxnSpLocks/>
-            <a:stCxn id="27" idx="0"/>
+            <a:endCxn id="5" idx="4"/>
           </p:cNvCxnSpPr>
           <p:nvPr/>
         </p:nvCxnSpPr>
         <p:spPr>
           <a:xfrm flipV="1">
-            <a:off x="1042447" y="3379573"/>
-            <a:ext cx="1021131" cy="457136"/>
+            <a:off x="1042446" y="2619081"/>
+            <a:ext cx="1095475" cy="1217627"/>
           </a:xfrm>
           <a:prstGeom prst="line">
             <a:avLst/>
@@ -4022,13 +4022,14 @@
           <p:cNvCxnSpPr>
             <a:cxnSpLocks/>
             <a:stCxn id="28" idx="0"/>
+            <a:endCxn id="5" idx="4"/>
           </p:cNvCxnSpPr>
           <p:nvPr/>
         </p:nvCxnSpPr>
         <p:spPr>
           <a:xfrm flipH="1" flipV="1">
-            <a:off x="2063578" y="3379573"/>
-            <a:ext cx="1169816" cy="457135"/>
+            <a:off x="2137921" y="2619081"/>
+            <a:ext cx="1095473" cy="1217627"/>
           </a:xfrm>
           <a:prstGeom prst="line">
             <a:avLst/>
@@ -4122,8 +4123,8 @@
         </p:nvSpPr>
         <p:spPr>
           <a:xfrm>
-            <a:off x="2573518" y="4675695"/>
-            <a:ext cx="1319752" cy="527901"/>
+            <a:off x="5035484" y="5615551"/>
+            <a:ext cx="1587737" cy="527901"/>
           </a:xfrm>
           <a:prstGeom prst="rect">
             <a:avLst/>
@@ -4162,7 +4163,7 @@
                   <a:schemeClr val="tx1"/>
                 </a:solidFill>
               </a:rPr>
-              <a:t>Def1_2</a:t>
+              <a:t>Def1_2-3-4</a:t>
             </a:r>
           </a:p>
         </p:txBody>
@@ -4381,9 +4382,9 @@
           <p:nvPr/>
         </p:nvCxnSpPr>
         <p:spPr>
-          <a:xfrm flipV="1">
+          <a:xfrm flipH="1" flipV="1">
             <a:off x="3233394" y="4364609"/>
-            <a:ext cx="0" cy="311086"/>
+            <a:ext cx="2595959" cy="1250942"/>
           </a:xfrm>
           <a:prstGeom prst="line">
             <a:avLst/>
@@ -4557,7 +4558,7 @@
         </p:nvSpPr>
         <p:spPr>
           <a:xfrm>
-            <a:off x="9222362" y="3256173"/>
+            <a:off x="9907970" y="3234696"/>
             <a:ext cx="1550318" cy="527901"/>
           </a:xfrm>
           <a:prstGeom prst="ellipse">
@@ -4620,7 +4621,7 @@
         </p:nvCxnSpPr>
         <p:spPr>
           <a:xfrm flipV="1">
-            <a:off x="9997521" y="2619079"/>
+            <a:off x="10683129" y="2597602"/>
             <a:ext cx="1" cy="637094"/>
           </a:xfrm>
           <a:prstGeom prst="line">
@@ -5076,205 +5077,86 @@
           </a:p>
         </p:txBody>
       </p:sp>
-      <p:sp>
-        <p:nvSpPr>
-          <p:cNvPr id="15" name="Ovale 4">
-            <a:extLst>
-              <a:ext uri="{FF2B5EF4-FFF2-40B4-BE49-F238E27FC236}">
-                <a16:creationId xmlns:a16="http://schemas.microsoft.com/office/drawing/2014/main" id="{B7647F25-41EE-927C-89A5-9982E6800077}"/>
-              </a:ext>
-            </a:extLst>
-          </p:cNvPr>
-          <p:cNvSpPr/>
+      <p:cxnSp>
+        <p:nvCxnSpPr>
+          <p:cNvPr id="20" name="Connettore diritto 43">
+            <a:extLst>
+              <a:ext uri="{FF2B5EF4-FFF2-40B4-BE49-F238E27FC236}">
+                <a16:creationId xmlns:a16="http://schemas.microsoft.com/office/drawing/2014/main" id="{7BA9F4C5-82EF-B096-8B83-01D12C2D2540}"/>
+              </a:ext>
+            </a:extLst>
+          </p:cNvPr>
+          <p:cNvCxnSpPr>
+            <a:cxnSpLocks/>
+            <a:stCxn id="36" idx="0"/>
+            <a:endCxn id="7" idx="3"/>
+          </p:cNvCxnSpPr>
           <p:nvPr/>
-        </p:nvSpPr>
-        <p:spPr>
-          <a:xfrm>
-            <a:off x="4877263" y="4872001"/>
-            <a:ext cx="3901522" cy="1985999"/>
-          </a:xfrm>
-          <a:prstGeom prst="ellipse">
+        </p:nvCxnSpPr>
+        <p:spPr>
+          <a:xfrm flipV="1">
+            <a:off x="5829353" y="2541771"/>
+            <a:ext cx="931585" cy="3073780"/>
+          </a:xfrm>
+          <a:prstGeom prst="line">
             <a:avLst/>
           </a:prstGeom>
-          <a:noFill/>
-          <a:ln>
-            <a:solidFill>
-              <a:srgbClr val="FF0000"/>
-            </a:solidFill>
-          </a:ln>
         </p:spPr>
         <p:style>
           <a:lnRef idx="2">
-            <a:schemeClr val="accent1">
-              <a:shade val="15000"/>
-            </a:schemeClr>
+            <a:schemeClr val="dk1"/>
           </a:lnRef>
-          <a:fillRef idx="1">
-            <a:schemeClr val="accent1"/>
+          <a:fillRef idx="0">
+            <a:schemeClr val="dk1"/>
           </a:fillRef>
-          <a:effectRef idx="0">
-            <a:schemeClr val="accent1"/>
+          <a:effectRef idx="1">
+            <a:schemeClr val="dk1"/>
           </a:effectRef>
           <a:fontRef idx="minor">
-            <a:schemeClr val="lt1"/>
+            <a:schemeClr val="tx1"/>
           </a:fontRef>
         </p:style>
-        <p:txBody>
-          <a:bodyPr rtlCol="0" anchor="ctr"/>
-          <a:lstStyle/>
-          <a:p>
-            <a:pPr algn="ctr"/>
-            <a:r>
-              <a:rPr lang="it-IT" sz="1400" dirty="0">
-                <a:solidFill>
-                  <a:schemeClr val="tx1"/>
-                </a:solidFill>
-              </a:rPr>
-              <a:t>State: Child1_1 or Child1_2 </a:t>
-            </a:r>
-            <a:r>
-              <a:rPr lang="it-IT" sz="1400" dirty="0" err="1">
-                <a:solidFill>
-                  <a:schemeClr val="tx1"/>
-                </a:solidFill>
-              </a:rPr>
-              <a:t>have</a:t>
-            </a:r>
-            <a:r>
-              <a:rPr lang="it-IT" sz="1400" dirty="0">
-                <a:solidFill>
-                  <a:schemeClr val="tx1"/>
-                </a:solidFill>
-              </a:rPr>
-              <a:t> </a:t>
-            </a:r>
-            <a:r>
-              <a:rPr lang="it-IT" sz="1400" dirty="0" err="1">
-                <a:solidFill>
-                  <a:schemeClr val="tx1"/>
-                </a:solidFill>
-              </a:rPr>
-              <a:t>been</a:t>
-            </a:r>
-            <a:r>
-              <a:rPr lang="it-IT" sz="1400" dirty="0">
-                <a:solidFill>
-                  <a:schemeClr val="tx1"/>
-                </a:solidFill>
-              </a:rPr>
-              <a:t> </a:t>
-            </a:r>
-            <a:r>
-              <a:rPr lang="it-IT" sz="1400" dirty="0" err="1">
-                <a:solidFill>
-                  <a:schemeClr val="tx1"/>
-                </a:solidFill>
-              </a:rPr>
-              <a:t>activated</a:t>
-            </a:r>
-            <a:r>
-              <a:rPr lang="it-IT" sz="1400" dirty="0">
-                <a:solidFill>
-                  <a:schemeClr val="tx1"/>
-                </a:solidFill>
-              </a:rPr>
-              <a:t>:</a:t>
-            </a:r>
-            <a:br>
-              <a:rPr lang="it-IT" sz="1400" dirty="0">
-                <a:solidFill>
-                  <a:schemeClr val="tx1"/>
-                </a:solidFill>
-              </a:rPr>
-            </a:br>
-            <a:r>
-              <a:rPr lang="it-IT" sz="1400" dirty="0" err="1">
-                <a:solidFill>
-                  <a:schemeClr val="tx1"/>
-                </a:solidFill>
-              </a:rPr>
-              <a:t>You</a:t>
-            </a:r>
-            <a:r>
-              <a:rPr lang="it-IT" sz="1400" dirty="0">
-                <a:solidFill>
-                  <a:schemeClr val="tx1"/>
-                </a:solidFill>
-              </a:rPr>
-              <a:t> are </a:t>
-            </a:r>
-            <a:r>
-              <a:rPr lang="it-IT" sz="1400" dirty="0" err="1">
-                <a:solidFill>
-                  <a:schemeClr val="tx1"/>
-                </a:solidFill>
-              </a:rPr>
-              <a:t>at</a:t>
-            </a:r>
-            <a:r>
-              <a:rPr lang="it-IT" sz="1400" dirty="0">
-                <a:solidFill>
-                  <a:schemeClr val="tx1"/>
-                </a:solidFill>
-              </a:rPr>
-              <a:t> risk of an </a:t>
-            </a:r>
-            <a:r>
-              <a:rPr lang="it-IT" sz="1400" dirty="0" err="1">
-                <a:solidFill>
-                  <a:schemeClr val="tx1"/>
-                </a:solidFill>
-              </a:rPr>
-              <a:t>attack</a:t>
-            </a:r>
-            <a:r>
-              <a:rPr lang="it-IT" sz="1400" dirty="0">
-                <a:solidFill>
-                  <a:schemeClr val="tx1"/>
-                </a:solidFill>
-              </a:rPr>
-              <a:t> of </a:t>
-            </a:r>
-            <a:r>
-              <a:rPr lang="it-IT" sz="1400" dirty="0" err="1">
-                <a:solidFill>
-                  <a:schemeClr val="tx1"/>
-                </a:solidFill>
-              </a:rPr>
-              <a:t>type</a:t>
-            </a:r>
-            <a:r>
-              <a:rPr lang="it-IT" sz="1400" dirty="0">
-                <a:solidFill>
-                  <a:schemeClr val="tx1"/>
-                </a:solidFill>
-              </a:rPr>
-              <a:t> Child1 </a:t>
-            </a:r>
-            <a:r>
-              <a:rPr lang="it-IT" sz="1400" dirty="0" err="1">
-                <a:solidFill>
-                  <a:schemeClr val="tx1"/>
-                </a:solidFill>
-              </a:rPr>
-              <a:t>Conj</a:t>
-            </a:r>
-            <a:endParaRPr lang="it-IT" sz="1400">
-              <a:solidFill>
-                <a:schemeClr val="tx1"/>
-              </a:solidFill>
-            </a:endParaRPr>
-          </a:p>
-          <a:p>
-            <a:pPr algn="ctr"/>
-            <a:endParaRPr lang="it-IT" sz="1400" dirty="0">
-              <a:solidFill>
-                <a:schemeClr val="tx1"/>
-              </a:solidFill>
-            </a:endParaRPr>
-          </a:p>
-        </p:txBody>
-      </p:sp>
+      </p:cxnSp>
+      <p:cxnSp>
+        <p:nvCxnSpPr>
+          <p:cNvPr id="23" name="Connettore diritto 43">
+            <a:extLst>
+              <a:ext uri="{FF2B5EF4-FFF2-40B4-BE49-F238E27FC236}">
+                <a16:creationId xmlns:a16="http://schemas.microsoft.com/office/drawing/2014/main" id="{AE818C56-81B7-5A89-9D1F-623FABAC4F58}"/>
+              </a:ext>
+            </a:extLst>
+          </p:cNvPr>
+          <p:cNvCxnSpPr>
+            <a:cxnSpLocks/>
+            <a:stCxn id="36" idx="0"/>
+            <a:endCxn id="8" idx="3"/>
+          </p:cNvCxnSpPr>
+          <p:nvPr/>
+        </p:nvCxnSpPr>
+        <p:spPr>
+          <a:xfrm flipV="1">
+            <a:off x="5829353" y="2520293"/>
+            <a:ext cx="4079160" cy="3095258"/>
+          </a:xfrm>
+          <a:prstGeom prst="line">
+            <a:avLst/>
+          </a:prstGeom>
+        </p:spPr>
+        <p:style>
+          <a:lnRef idx="2">
+            <a:schemeClr val="dk1"/>
+          </a:lnRef>
+          <a:fillRef idx="0">
+            <a:schemeClr val="dk1"/>
+          </a:fillRef>
+          <a:effectRef idx="1">
+            <a:schemeClr val="dk1"/>
+          </a:effectRef>
+          <a:fontRef idx="minor">
+            <a:schemeClr val="tx1"/>
+          </a:fontRef>
+        </p:style>
+      </p:cxnSp>
     </p:spTree>
     <p:extLst>
       <p:ext uri="{BB962C8B-B14F-4D97-AF65-F5344CB8AC3E}">

--- a/Wazuh-Attack-Defense-Tree-Converter/Code/Wazuh-ADT-Converter/Input-Files/test-tree/tree.pptx
+++ b/Wazuh-Attack-Defense-Tree-Converter/Code/Wazuh-ADT-Converter/Input-Files/test-tree/tree.pptx
@@ -5157,6 +5157,77 @@
           </a:fontRef>
         </p:style>
       </p:cxnSp>
+      <p:sp>
+        <p:nvSpPr>
+          <p:cNvPr id="59" name="TextBox 58">
+            <a:extLst>
+              <a:ext uri="{FF2B5EF4-FFF2-40B4-BE49-F238E27FC236}">
+                <a16:creationId xmlns:a16="http://schemas.microsoft.com/office/drawing/2014/main" id="{82EB21F9-F13A-962F-E4BC-14E45FFCC9BE}"/>
+              </a:ext>
+            </a:extLst>
+          </p:cNvPr>
+          <p:cNvSpPr txBox="1"/>
+          <p:nvPr/>
+        </p:nvSpPr>
+        <p:spPr>
+          <a:xfrm>
+            <a:off x="6838753" y="5653216"/>
+            <a:ext cx="3327171" cy="646331"/>
+          </a:xfrm>
+          <a:prstGeom prst="rect">
+            <a:avLst/>
+          </a:prstGeom>
+          <a:noFill/>
+        </p:spPr>
+        <p:txBody>
+          <a:bodyPr wrap="square" rtlCol="0">
+            <a:spAutoFit/>
+          </a:bodyPr>
+          <a:lstStyle/>
+          <a:p>
+            <a:r>
+              <a:rPr lang="it-IT" dirty="0" err="1"/>
+              <a:t>This</a:t>
+            </a:r>
+            <a:r>
+              <a:rPr lang="it-IT" dirty="0"/>
+              <a:t> </a:t>
+            </a:r>
+            <a:r>
+              <a:rPr lang="it-IT" dirty="0" err="1"/>
+              <a:t>is</a:t>
+            </a:r>
+            <a:r>
+              <a:rPr lang="it-IT" dirty="0"/>
+              <a:t> def3 and </a:t>
+            </a:r>
+            <a:r>
+              <a:rPr lang="it-IT" dirty="0" err="1"/>
+              <a:t>another</a:t>
+            </a:r>
+            <a:r>
+              <a:rPr lang="it-IT" dirty="0"/>
+              <a:t> </a:t>
+            </a:r>
+            <a:r>
+              <a:rPr lang="it-IT" dirty="0" err="1"/>
+              <a:t>def</a:t>
+            </a:r>
+            <a:r>
+              <a:rPr lang="it-IT" dirty="0"/>
+              <a:t> </a:t>
+            </a:r>
+            <a:r>
+              <a:rPr lang="it-IT" dirty="0" err="1"/>
+              <a:t>called</a:t>
+            </a:r>
+            <a:r>
+              <a:rPr lang="it-IT" dirty="0"/>
+              <a:t> def4</a:t>
+            </a:r>
+          </a:p>
+        </p:txBody>
+      </p:sp>
     </p:spTree>
     <p:extLst>
       <p:ext uri="{BB962C8B-B14F-4D97-AF65-F5344CB8AC3E}">

--- a/Wazuh-Attack-Defense-Tree-Converter/Code/Wazuh-ADT-Converter/Input-Files/test-tree/tree.pptx
+++ b/Wazuh-Attack-Defense-Tree-Converter/Code/Wazuh-ADT-Converter/Input-Files/test-tree/tree.pptx
@@ -5171,8 +5171,8 @@
         </p:nvSpPr>
         <p:spPr>
           <a:xfrm>
-            <a:off x="6838753" y="5653216"/>
-            <a:ext cx="3327171" cy="646331"/>
+            <a:off x="6815777" y="5725613"/>
+            <a:ext cx="3327171" cy="307777"/>
           </a:xfrm>
           <a:prstGeom prst="rect">
             <a:avLst/>
@@ -5186,43 +5186,43 @@
           <a:lstStyle/>
           <a:p>
             <a:r>
-              <a:rPr lang="it-IT" dirty="0" err="1"/>
+              <a:rPr lang="it-IT" sz="1400" dirty="0" err="1"/>
               <a:t>This</a:t>
             </a:r>
             <a:r>
-              <a:rPr lang="it-IT" dirty="0"/>
+              <a:rPr lang="it-IT" sz="1400" dirty="0"/>
               <a:t> </a:t>
             </a:r>
             <a:r>
-              <a:rPr lang="it-IT" dirty="0" err="1"/>
+              <a:rPr lang="it-IT" sz="1400" dirty="0" err="1"/>
               <a:t>is</a:t>
             </a:r>
             <a:r>
-              <a:rPr lang="it-IT" dirty="0"/>
+              <a:rPr lang="it-IT" sz="1400" dirty="0"/>
               <a:t> def3 and </a:t>
             </a:r>
             <a:r>
-              <a:rPr lang="it-IT" dirty="0" err="1"/>
+              <a:rPr lang="it-IT" sz="1400" dirty="0" err="1"/>
               <a:t>another</a:t>
             </a:r>
             <a:r>
-              <a:rPr lang="it-IT" dirty="0"/>
+              <a:rPr lang="it-IT" sz="1400" dirty="0"/>
               <a:t> </a:t>
             </a:r>
             <a:r>
-              <a:rPr lang="it-IT" dirty="0" err="1"/>
+              <a:rPr lang="it-IT" sz="1400" dirty="0" err="1"/>
               <a:t>def</a:t>
             </a:r>
             <a:r>
-              <a:rPr lang="it-IT" dirty="0"/>
+              <a:rPr lang="it-IT" sz="1400" dirty="0"/>
               <a:t> </a:t>
             </a:r>
             <a:r>
-              <a:rPr lang="it-IT" dirty="0" err="1"/>
+              <a:rPr lang="it-IT" sz="1400" dirty="0" err="1"/>
               <a:t>called</a:t>
             </a:r>
             <a:r>
-              <a:rPr lang="it-IT" dirty="0"/>
+              <a:rPr lang="it-IT" sz="1400" dirty="0"/>
               <a:t> def4</a:t>
             </a:r>
           </a:p>

--- a/Wazuh-Attack-Defense-Tree-Converter/Code/Wazuh-ADT-Converter/Input-Files/test-tree/tree.pptx
+++ b/Wazuh-Attack-Defense-Tree-Converter/Code/Wazuh-ADT-Converter/Input-Files/test-tree/tree.pptx
@@ -259,7 +259,7 @@
           <a:p>
             <a:fld id="{46FB4D6B-BD55-42BC-B59A-94D153871167}" type="datetimeFigureOut">
               <a:rPr lang="it-IT" smtClean="0"/>
-              <a:t>02/11/2024</a:t>
+              <a:t>03/11/2024</a:t>
             </a:fld>
             <a:endParaRPr lang="it-IT"/>
           </a:p>
@@ -457,7 +457,7 @@
           <a:p>
             <a:fld id="{46FB4D6B-BD55-42BC-B59A-94D153871167}" type="datetimeFigureOut">
               <a:rPr lang="it-IT" smtClean="0"/>
-              <a:t>02/11/2024</a:t>
+              <a:t>03/11/2024</a:t>
             </a:fld>
             <a:endParaRPr lang="it-IT"/>
           </a:p>
@@ -665,7 +665,7 @@
           <a:p>
             <a:fld id="{46FB4D6B-BD55-42BC-B59A-94D153871167}" type="datetimeFigureOut">
               <a:rPr lang="it-IT" smtClean="0"/>
-              <a:t>02/11/2024</a:t>
+              <a:t>03/11/2024</a:t>
             </a:fld>
             <a:endParaRPr lang="it-IT"/>
           </a:p>
@@ -863,7 +863,7 @@
           <a:p>
             <a:fld id="{46FB4D6B-BD55-42BC-B59A-94D153871167}" type="datetimeFigureOut">
               <a:rPr lang="it-IT" smtClean="0"/>
-              <a:t>02/11/2024</a:t>
+              <a:t>03/11/2024</a:t>
             </a:fld>
             <a:endParaRPr lang="it-IT"/>
           </a:p>
@@ -1138,7 +1138,7 @@
           <a:p>
             <a:fld id="{46FB4D6B-BD55-42BC-B59A-94D153871167}" type="datetimeFigureOut">
               <a:rPr lang="it-IT" smtClean="0"/>
-              <a:t>02/11/2024</a:t>
+              <a:t>03/11/2024</a:t>
             </a:fld>
             <a:endParaRPr lang="it-IT"/>
           </a:p>
@@ -1403,7 +1403,7 @@
           <a:p>
             <a:fld id="{46FB4D6B-BD55-42BC-B59A-94D153871167}" type="datetimeFigureOut">
               <a:rPr lang="it-IT" smtClean="0"/>
-              <a:t>02/11/2024</a:t>
+              <a:t>03/11/2024</a:t>
             </a:fld>
             <a:endParaRPr lang="it-IT"/>
           </a:p>
@@ -1815,7 +1815,7 @@
           <a:p>
             <a:fld id="{46FB4D6B-BD55-42BC-B59A-94D153871167}" type="datetimeFigureOut">
               <a:rPr lang="it-IT" smtClean="0"/>
-              <a:t>02/11/2024</a:t>
+              <a:t>03/11/2024</a:t>
             </a:fld>
             <a:endParaRPr lang="it-IT"/>
           </a:p>
@@ -1956,7 +1956,7 @@
           <a:p>
             <a:fld id="{46FB4D6B-BD55-42BC-B59A-94D153871167}" type="datetimeFigureOut">
               <a:rPr lang="it-IT" smtClean="0"/>
-              <a:t>02/11/2024</a:t>
+              <a:t>03/11/2024</a:t>
             </a:fld>
             <a:endParaRPr lang="it-IT"/>
           </a:p>
@@ -2069,7 +2069,7 @@
           <a:p>
             <a:fld id="{46FB4D6B-BD55-42BC-B59A-94D153871167}" type="datetimeFigureOut">
               <a:rPr lang="it-IT" smtClean="0"/>
-              <a:t>02/11/2024</a:t>
+              <a:t>03/11/2024</a:t>
             </a:fld>
             <a:endParaRPr lang="it-IT"/>
           </a:p>
@@ -2380,7 +2380,7 @@
           <a:p>
             <a:fld id="{46FB4D6B-BD55-42BC-B59A-94D153871167}" type="datetimeFigureOut">
               <a:rPr lang="it-IT" smtClean="0"/>
-              <a:t>02/11/2024</a:t>
+              <a:t>03/11/2024</a:t>
             </a:fld>
             <a:endParaRPr lang="it-IT"/>
           </a:p>
@@ -2668,7 +2668,7 @@
           <a:p>
             <a:fld id="{46FB4D6B-BD55-42BC-B59A-94D153871167}" type="datetimeFigureOut">
               <a:rPr lang="it-IT" smtClean="0"/>
-              <a:t>02/11/2024</a:t>
+              <a:t>03/11/2024</a:t>
             </a:fld>
             <a:endParaRPr lang="it-IT"/>
           </a:p>
@@ -2909,7 +2909,7 @@
           <a:p>
             <a:fld id="{46FB4D6B-BD55-42BC-B59A-94D153871167}" type="datetimeFigureOut">
               <a:rPr lang="it-IT" smtClean="0"/>
-              <a:t>02/11/2024</a:t>
+              <a:t>03/11/2024</a:t>
             </a:fld>
             <a:endParaRPr lang="it-IT"/>
           </a:p>
@@ -5225,6 +5225,431 @@
               <a:rPr lang="it-IT" sz="1400" dirty="0"/>
               <a:t> def4</a:t>
             </a:r>
+          </a:p>
+        </p:txBody>
+      </p:sp>
+      <p:sp>
+        <p:nvSpPr>
+          <p:cNvPr id="13" name="TextBox 12">
+            <a:extLst>
+              <a:ext uri="{FF2B5EF4-FFF2-40B4-BE49-F238E27FC236}">
+                <a16:creationId xmlns:a16="http://schemas.microsoft.com/office/drawing/2014/main" id="{A0B9DD11-1D5C-5AA3-9229-317151EC02BE}"/>
+              </a:ext>
+            </a:extLst>
+          </p:cNvPr>
+          <p:cNvSpPr txBox="1"/>
+          <p:nvPr/>
+        </p:nvSpPr>
+        <p:spPr>
+          <a:xfrm>
+            <a:off x="4961636" y="284205"/>
+            <a:ext cx="493871" cy="261610"/>
+          </a:xfrm>
+          <a:prstGeom prst="rect">
+            <a:avLst/>
+          </a:prstGeom>
+          <a:noFill/>
+        </p:spPr>
+        <p:txBody>
+          <a:bodyPr wrap="square" rtlCol="0">
+            <a:spAutoFit/>
+          </a:bodyPr>
+          <a:lstStyle/>
+          <a:p>
+            <a:r>
+              <a:rPr lang="it-IT" sz="1100" dirty="0"/>
+              <a:t>Id: 0</a:t>
+            </a:r>
+          </a:p>
+        </p:txBody>
+      </p:sp>
+      <p:sp>
+        <p:nvSpPr>
+          <p:cNvPr id="15" name="TextBox 14">
+            <a:extLst>
+              <a:ext uri="{FF2B5EF4-FFF2-40B4-BE49-F238E27FC236}">
+                <a16:creationId xmlns:a16="http://schemas.microsoft.com/office/drawing/2014/main" id="{A86D9397-A96E-93AF-DCD6-9BB3872FC2CC}"/>
+              </a:ext>
+            </a:extLst>
+          </p:cNvPr>
+          <p:cNvSpPr txBox="1"/>
+          <p:nvPr/>
+        </p:nvSpPr>
+        <p:spPr>
+          <a:xfrm>
+            <a:off x="2574232" y="1902644"/>
+            <a:ext cx="493871" cy="261610"/>
+          </a:xfrm>
+          <a:prstGeom prst="rect">
+            <a:avLst/>
+          </a:prstGeom>
+          <a:noFill/>
+        </p:spPr>
+        <p:txBody>
+          <a:bodyPr wrap="square" rtlCol="0">
+            <a:spAutoFit/>
+          </a:bodyPr>
+          <a:lstStyle/>
+          <a:p>
+            <a:r>
+              <a:rPr lang="it-IT" sz="1100" dirty="0"/>
+              <a:t>Id: 1</a:t>
+            </a:r>
+          </a:p>
+        </p:txBody>
+      </p:sp>
+      <p:sp>
+        <p:nvSpPr>
+          <p:cNvPr id="16" name="TextBox 15">
+            <a:extLst>
+              <a:ext uri="{FF2B5EF4-FFF2-40B4-BE49-F238E27FC236}">
+                <a16:creationId xmlns:a16="http://schemas.microsoft.com/office/drawing/2014/main" id="{AAE144E9-AB99-B178-D2E6-A6BAEB497094}"/>
+              </a:ext>
+            </a:extLst>
+          </p:cNvPr>
+          <p:cNvSpPr txBox="1"/>
+          <p:nvPr/>
+        </p:nvSpPr>
+        <p:spPr>
+          <a:xfrm>
+            <a:off x="4057196" y="1875634"/>
+            <a:ext cx="493871" cy="261610"/>
+          </a:xfrm>
+          <a:prstGeom prst="rect">
+            <a:avLst/>
+          </a:prstGeom>
+          <a:noFill/>
+        </p:spPr>
+        <p:txBody>
+          <a:bodyPr wrap="square" rtlCol="0">
+            <a:spAutoFit/>
+          </a:bodyPr>
+          <a:lstStyle/>
+          <a:p>
+            <a:r>
+              <a:rPr lang="it-IT" sz="1100" dirty="0"/>
+              <a:t>Id: 2</a:t>
+            </a:r>
+          </a:p>
+        </p:txBody>
+      </p:sp>
+      <p:sp>
+        <p:nvSpPr>
+          <p:cNvPr id="18" name="TextBox 17">
+            <a:extLst>
+              <a:ext uri="{FF2B5EF4-FFF2-40B4-BE49-F238E27FC236}">
+                <a16:creationId xmlns:a16="http://schemas.microsoft.com/office/drawing/2014/main" id="{84BBC521-AB4D-F46D-7F29-1B522455CEE0}"/>
+              </a:ext>
+            </a:extLst>
+          </p:cNvPr>
+          <p:cNvSpPr txBox="1"/>
+          <p:nvPr/>
+        </p:nvSpPr>
+        <p:spPr>
+          <a:xfrm>
+            <a:off x="6892200" y="1872659"/>
+            <a:ext cx="493871" cy="261610"/>
+          </a:xfrm>
+          <a:prstGeom prst="rect">
+            <a:avLst/>
+          </a:prstGeom>
+          <a:noFill/>
+        </p:spPr>
+        <p:txBody>
+          <a:bodyPr wrap="square" rtlCol="0">
+            <a:spAutoFit/>
+          </a:bodyPr>
+          <a:lstStyle/>
+          <a:p>
+            <a:r>
+              <a:rPr lang="it-IT" sz="1100" dirty="0"/>
+              <a:t>Id: 3</a:t>
+            </a:r>
+          </a:p>
+        </p:txBody>
+      </p:sp>
+      <p:sp>
+        <p:nvSpPr>
+          <p:cNvPr id="19" name="TextBox 18">
+            <a:extLst>
+              <a:ext uri="{FF2B5EF4-FFF2-40B4-BE49-F238E27FC236}">
+                <a16:creationId xmlns:a16="http://schemas.microsoft.com/office/drawing/2014/main" id="{F5DF4E90-C334-3AAE-8C07-D08536BC3DD7}"/>
+              </a:ext>
+            </a:extLst>
+          </p:cNvPr>
+          <p:cNvSpPr txBox="1"/>
+          <p:nvPr/>
+        </p:nvSpPr>
+        <p:spPr>
+          <a:xfrm>
+            <a:off x="9672053" y="1876661"/>
+            <a:ext cx="493871" cy="261610"/>
+          </a:xfrm>
+          <a:prstGeom prst="rect">
+            <a:avLst/>
+          </a:prstGeom>
+          <a:noFill/>
+        </p:spPr>
+        <p:txBody>
+          <a:bodyPr wrap="square" rtlCol="0">
+            <a:spAutoFit/>
+          </a:bodyPr>
+          <a:lstStyle/>
+          <a:p>
+            <a:r>
+              <a:rPr lang="it-IT" sz="1100" dirty="0"/>
+              <a:t>Id: 4</a:t>
+            </a:r>
+          </a:p>
+        </p:txBody>
+      </p:sp>
+      <p:sp>
+        <p:nvSpPr>
+          <p:cNvPr id="21" name="TextBox 20">
+            <a:extLst>
+              <a:ext uri="{FF2B5EF4-FFF2-40B4-BE49-F238E27FC236}">
+                <a16:creationId xmlns:a16="http://schemas.microsoft.com/office/drawing/2014/main" id="{E6399A01-C98C-83A0-13F1-FDCD622FB011}"/>
+              </a:ext>
+            </a:extLst>
+          </p:cNvPr>
+          <p:cNvSpPr txBox="1"/>
+          <p:nvPr/>
+        </p:nvSpPr>
+        <p:spPr>
+          <a:xfrm>
+            <a:off x="1396518" y="3635603"/>
+            <a:ext cx="493871" cy="261610"/>
+          </a:xfrm>
+          <a:prstGeom prst="rect">
+            <a:avLst/>
+          </a:prstGeom>
+          <a:noFill/>
+        </p:spPr>
+        <p:txBody>
+          <a:bodyPr wrap="square" rtlCol="0">
+            <a:spAutoFit/>
+          </a:bodyPr>
+          <a:lstStyle/>
+          <a:p>
+            <a:r>
+              <a:rPr lang="it-IT" sz="1100" dirty="0"/>
+              <a:t>Id: 5</a:t>
+            </a:r>
+          </a:p>
+        </p:txBody>
+      </p:sp>
+      <p:sp>
+        <p:nvSpPr>
+          <p:cNvPr id="22" name="TextBox 21">
+            <a:extLst>
+              <a:ext uri="{FF2B5EF4-FFF2-40B4-BE49-F238E27FC236}">
+                <a16:creationId xmlns:a16="http://schemas.microsoft.com/office/drawing/2014/main" id="{D7F96E2E-E54B-DF0F-7BCF-6FFC2555FDC5}"/>
+              </a:ext>
+            </a:extLst>
+          </p:cNvPr>
+          <p:cNvSpPr txBox="1"/>
+          <p:nvPr/>
+        </p:nvSpPr>
+        <p:spPr>
+          <a:xfrm>
+            <a:off x="3380152" y="3618581"/>
+            <a:ext cx="493871" cy="261610"/>
+          </a:xfrm>
+          <a:prstGeom prst="rect">
+            <a:avLst/>
+          </a:prstGeom>
+          <a:noFill/>
+        </p:spPr>
+        <p:txBody>
+          <a:bodyPr wrap="square" rtlCol="0">
+            <a:spAutoFit/>
+          </a:bodyPr>
+          <a:lstStyle/>
+          <a:p>
+            <a:r>
+              <a:rPr lang="it-IT" sz="1100" dirty="0"/>
+              <a:t>Id: 6</a:t>
+            </a:r>
+          </a:p>
+        </p:txBody>
+      </p:sp>
+      <p:sp>
+        <p:nvSpPr>
+          <p:cNvPr id="24" name="TextBox 23">
+            <a:extLst>
+              <a:ext uri="{FF2B5EF4-FFF2-40B4-BE49-F238E27FC236}">
+                <a16:creationId xmlns:a16="http://schemas.microsoft.com/office/drawing/2014/main" id="{D061C767-6F92-4C16-F1AD-5BE3C47519BB}"/>
+              </a:ext>
+            </a:extLst>
+          </p:cNvPr>
+          <p:cNvSpPr txBox="1"/>
+          <p:nvPr/>
+        </p:nvSpPr>
+        <p:spPr>
+          <a:xfrm>
+            <a:off x="9801949" y="3058684"/>
+            <a:ext cx="493871" cy="261610"/>
+          </a:xfrm>
+          <a:prstGeom prst="rect">
+            <a:avLst/>
+          </a:prstGeom>
+          <a:noFill/>
+        </p:spPr>
+        <p:txBody>
+          <a:bodyPr wrap="square" rtlCol="0">
+            <a:spAutoFit/>
+          </a:bodyPr>
+          <a:lstStyle/>
+          <a:p>
+            <a:r>
+              <a:rPr lang="it-IT" sz="1100" dirty="0"/>
+              <a:t>Id: 7</a:t>
+            </a:r>
+          </a:p>
+        </p:txBody>
+      </p:sp>
+      <p:sp>
+        <p:nvSpPr>
+          <p:cNvPr id="26" name="TextBox 25">
+            <a:extLst>
+              <a:ext uri="{FF2B5EF4-FFF2-40B4-BE49-F238E27FC236}">
+                <a16:creationId xmlns:a16="http://schemas.microsoft.com/office/drawing/2014/main" id="{C9DDBCF8-E8F9-A08E-34D4-EAF90BF0D16E}"/>
+              </a:ext>
+            </a:extLst>
+          </p:cNvPr>
+          <p:cNvSpPr txBox="1"/>
+          <p:nvPr/>
+        </p:nvSpPr>
+        <p:spPr>
+          <a:xfrm>
+            <a:off x="837" y="2446707"/>
+            <a:ext cx="493871" cy="261610"/>
+          </a:xfrm>
+          <a:prstGeom prst="rect">
+            <a:avLst/>
+          </a:prstGeom>
+          <a:noFill/>
+        </p:spPr>
+        <p:txBody>
+          <a:bodyPr wrap="square" rtlCol="0">
+            <a:spAutoFit/>
+          </a:bodyPr>
+          <a:lstStyle/>
+          <a:p>
+            <a:r>
+              <a:rPr lang="it-IT" sz="1100" dirty="0"/>
+              <a:t>Id: 1</a:t>
+            </a:r>
+          </a:p>
+        </p:txBody>
+      </p:sp>
+      <p:sp>
+        <p:nvSpPr>
+          <p:cNvPr id="30" name="TextBox 29">
+            <a:extLst>
+              <a:ext uri="{FF2B5EF4-FFF2-40B4-BE49-F238E27FC236}">
+                <a16:creationId xmlns:a16="http://schemas.microsoft.com/office/drawing/2014/main" id="{4FCFF7B2-2C4B-FF38-3C2E-54E94AA28438}"/>
+              </a:ext>
+            </a:extLst>
+          </p:cNvPr>
+          <p:cNvSpPr txBox="1"/>
+          <p:nvPr/>
+        </p:nvSpPr>
+        <p:spPr>
+          <a:xfrm>
+            <a:off x="3761346" y="2694587"/>
+            <a:ext cx="493871" cy="261610"/>
+          </a:xfrm>
+          <a:prstGeom prst="rect">
+            <a:avLst/>
+          </a:prstGeom>
+          <a:noFill/>
+        </p:spPr>
+        <p:txBody>
+          <a:bodyPr wrap="square" rtlCol="0">
+            <a:spAutoFit/>
+          </a:bodyPr>
+          <a:lstStyle/>
+          <a:p>
+            <a:r>
+              <a:rPr lang="it-IT" sz="1100" dirty="0"/>
+              <a:t>Id: 2</a:t>
+            </a:r>
+          </a:p>
+        </p:txBody>
+      </p:sp>
+      <p:sp>
+        <p:nvSpPr>
+          <p:cNvPr id="31" name="TextBox 30">
+            <a:extLst>
+              <a:ext uri="{FF2B5EF4-FFF2-40B4-BE49-F238E27FC236}">
+                <a16:creationId xmlns:a16="http://schemas.microsoft.com/office/drawing/2014/main" id="{0417A90A-27BB-137C-97A8-FE72350D0910}"/>
+              </a:ext>
+            </a:extLst>
+          </p:cNvPr>
+          <p:cNvSpPr txBox="1"/>
+          <p:nvPr/>
+        </p:nvSpPr>
+        <p:spPr>
+          <a:xfrm>
+            <a:off x="6721223" y="2694587"/>
+            <a:ext cx="493871" cy="261610"/>
+          </a:xfrm>
+          <a:prstGeom prst="rect">
+            <a:avLst/>
+          </a:prstGeom>
+          <a:noFill/>
+        </p:spPr>
+        <p:txBody>
+          <a:bodyPr wrap="square" rtlCol="0">
+            <a:spAutoFit/>
+          </a:bodyPr>
+          <a:lstStyle/>
+          <a:p>
+            <a:r>
+              <a:rPr lang="it-IT" sz="1100" dirty="0"/>
+              <a:t>Id: 3</a:t>
+            </a:r>
+          </a:p>
+        </p:txBody>
+      </p:sp>
+      <p:sp>
+        <p:nvSpPr>
+          <p:cNvPr id="33" name="TextBox 32">
+            <a:extLst>
+              <a:ext uri="{FF2B5EF4-FFF2-40B4-BE49-F238E27FC236}">
+                <a16:creationId xmlns:a16="http://schemas.microsoft.com/office/drawing/2014/main" id="{54F32633-DFA9-3617-677C-049E55EE348D}"/>
+              </a:ext>
+            </a:extLst>
+          </p:cNvPr>
+          <p:cNvSpPr txBox="1"/>
+          <p:nvPr/>
+        </p:nvSpPr>
+        <p:spPr>
+          <a:xfrm>
+            <a:off x="1348823" y="4445305"/>
+            <a:ext cx="493871" cy="261610"/>
+          </a:xfrm>
+          <a:prstGeom prst="rect">
+            <a:avLst/>
+          </a:prstGeom>
+          <a:noFill/>
+        </p:spPr>
+        <p:txBody>
+          <a:bodyPr wrap="square" rtlCol="0">
+            <a:spAutoFit/>
+          </a:bodyPr>
+          <a:lstStyle/>
+          <a:p>
+            <a:r>
+              <a:rPr lang="it-IT" sz="1100" dirty="0"/>
+              <a:t>Id</a:t>
+            </a:r>
+            <a:r>
+              <a:rPr lang="it-IT" sz="1100"/>
+              <a:t>: 4</a:t>
+            </a:r>
+            <a:endParaRPr lang="it-IT" sz="1100" dirty="0"/>
           </a:p>
         </p:txBody>
       </p:sp>

--- a/Wazuh-Attack-Defense-Tree-Converter/Code/Wazuh-ADT-Converter/Input-Files/test-tree/tree.pptx
+++ b/Wazuh-Attack-Defense-Tree-Converter/Code/Wazuh-ADT-Converter/Input-Files/test-tree/tree.pptx
@@ -5643,13 +5643,43 @@
           <a:p>
             <a:r>
               <a:rPr lang="it-IT" sz="1100" dirty="0"/>
-              <a:t>Id</a:t>
-            </a:r>
-            <a:r>
-              <a:rPr lang="it-IT" sz="1100"/>
-              <a:t>: 4</a:t>
-            </a:r>
-            <a:endParaRPr lang="it-IT" sz="1100" dirty="0"/>
+              <a:t>Id: 4</a:t>
+            </a:r>
+          </a:p>
+        </p:txBody>
+      </p:sp>
+      <p:sp>
+        <p:nvSpPr>
+          <p:cNvPr id="34" name="TextBox 33">
+            <a:extLst>
+              <a:ext uri="{FF2B5EF4-FFF2-40B4-BE49-F238E27FC236}">
+                <a16:creationId xmlns:a16="http://schemas.microsoft.com/office/drawing/2014/main" id="{7047163B-B97A-4289-C288-DA2E87732D4F}"/>
+              </a:ext>
+            </a:extLst>
+          </p:cNvPr>
+          <p:cNvSpPr txBox="1"/>
+          <p:nvPr/>
+        </p:nvSpPr>
+        <p:spPr>
+          <a:xfrm>
+            <a:off x="4765893" y="5398522"/>
+            <a:ext cx="493871" cy="261610"/>
+          </a:xfrm>
+          <a:prstGeom prst="rect">
+            <a:avLst/>
+          </a:prstGeom>
+          <a:noFill/>
+        </p:spPr>
+        <p:txBody>
+          <a:bodyPr wrap="square" rtlCol="0">
+            <a:spAutoFit/>
+          </a:bodyPr>
+          <a:lstStyle/>
+          <a:p>
+            <a:r>
+              <a:rPr lang="it-IT" sz="1100" dirty="0"/>
+              <a:t>Id: 5</a:t>
+            </a:r>
           </a:p>
         </p:txBody>
       </p:sp>
